--- a/Project2/submit/21900516_Leesehyun ppt.pptx
+++ b/Project2/submit/21900516_Leesehyun ppt.pptx
@@ -107,6 +107,11 @@
       </a:defRPr>
     </a:lvl9pPr>
   </p:defaultTextStyle>
+  <p:extLst>
+    <p:ext uri="{EFAFB233-063F-42B5-8137-9DF3F51BA10A}">
+      <p15:sldGuideLst xmlns:p15="http://schemas.microsoft.com/office/powerpoint/2012/main"/>
+    </p:ext>
+  </p:extLst>
 </p:presentation>
 </file>
 
@@ -257,7 +262,7 @@
           <a:p>
             <a:fld id="{E10AED4E-275C-8C4D-86D1-DAD85BB10F3B}" type="datetimeFigureOut">
               <a:rPr kumimoji="1" lang="ko-KR" altLang="en-US" smtClean="0"/>
-              <a:t>2020. 1. 9.</a:t>
+              <a:t>2020. 1. 10.</a:t>
             </a:fld>
             <a:endParaRPr kumimoji="1" lang="ko-KR" altLang="en-US"/>
           </a:p>
@@ -455,7 +460,7 @@
           <a:p>
             <a:fld id="{E10AED4E-275C-8C4D-86D1-DAD85BB10F3B}" type="datetimeFigureOut">
               <a:rPr kumimoji="1" lang="ko-KR" altLang="en-US" smtClean="0"/>
-              <a:t>2020. 1. 9.</a:t>
+              <a:t>2020. 1. 10.</a:t>
             </a:fld>
             <a:endParaRPr kumimoji="1" lang="ko-KR" altLang="en-US"/>
           </a:p>
@@ -663,7 +668,7 @@
           <a:p>
             <a:fld id="{E10AED4E-275C-8C4D-86D1-DAD85BB10F3B}" type="datetimeFigureOut">
               <a:rPr kumimoji="1" lang="ko-KR" altLang="en-US" smtClean="0"/>
-              <a:t>2020. 1. 9.</a:t>
+              <a:t>2020. 1. 10.</a:t>
             </a:fld>
             <a:endParaRPr kumimoji="1" lang="ko-KR" altLang="en-US"/>
           </a:p>
@@ -861,7 +866,7 @@
           <a:p>
             <a:fld id="{E10AED4E-275C-8C4D-86D1-DAD85BB10F3B}" type="datetimeFigureOut">
               <a:rPr kumimoji="1" lang="ko-KR" altLang="en-US" smtClean="0"/>
-              <a:t>2020. 1. 9.</a:t>
+              <a:t>2020. 1. 10.</a:t>
             </a:fld>
             <a:endParaRPr kumimoji="1" lang="ko-KR" altLang="en-US"/>
           </a:p>
@@ -1136,7 +1141,7 @@
           <a:p>
             <a:fld id="{E10AED4E-275C-8C4D-86D1-DAD85BB10F3B}" type="datetimeFigureOut">
               <a:rPr kumimoji="1" lang="ko-KR" altLang="en-US" smtClean="0"/>
-              <a:t>2020. 1. 9.</a:t>
+              <a:t>2020. 1. 10.</a:t>
             </a:fld>
             <a:endParaRPr kumimoji="1" lang="ko-KR" altLang="en-US"/>
           </a:p>
@@ -1401,7 +1406,7 @@
           <a:p>
             <a:fld id="{E10AED4E-275C-8C4D-86D1-DAD85BB10F3B}" type="datetimeFigureOut">
               <a:rPr kumimoji="1" lang="ko-KR" altLang="en-US" smtClean="0"/>
-              <a:t>2020. 1. 9.</a:t>
+              <a:t>2020. 1. 10.</a:t>
             </a:fld>
             <a:endParaRPr kumimoji="1" lang="ko-KR" altLang="en-US"/>
           </a:p>
@@ -1813,7 +1818,7 @@
           <a:p>
             <a:fld id="{E10AED4E-275C-8C4D-86D1-DAD85BB10F3B}" type="datetimeFigureOut">
               <a:rPr kumimoji="1" lang="ko-KR" altLang="en-US" smtClean="0"/>
-              <a:t>2020. 1. 9.</a:t>
+              <a:t>2020. 1. 10.</a:t>
             </a:fld>
             <a:endParaRPr kumimoji="1" lang="ko-KR" altLang="en-US"/>
           </a:p>
@@ -1954,7 +1959,7 @@
           <a:p>
             <a:fld id="{E10AED4E-275C-8C4D-86D1-DAD85BB10F3B}" type="datetimeFigureOut">
               <a:rPr kumimoji="1" lang="ko-KR" altLang="en-US" smtClean="0"/>
-              <a:t>2020. 1. 9.</a:t>
+              <a:t>2020. 1. 10.</a:t>
             </a:fld>
             <a:endParaRPr kumimoji="1" lang="ko-KR" altLang="en-US"/>
           </a:p>
@@ -2067,7 +2072,7 @@
           <a:p>
             <a:fld id="{E10AED4E-275C-8C4D-86D1-DAD85BB10F3B}" type="datetimeFigureOut">
               <a:rPr kumimoji="1" lang="ko-KR" altLang="en-US" smtClean="0"/>
-              <a:t>2020. 1. 9.</a:t>
+              <a:t>2020. 1. 10.</a:t>
             </a:fld>
             <a:endParaRPr kumimoji="1" lang="ko-KR" altLang="en-US"/>
           </a:p>
@@ -2378,7 +2383,7 @@
           <a:p>
             <a:fld id="{E10AED4E-275C-8C4D-86D1-DAD85BB10F3B}" type="datetimeFigureOut">
               <a:rPr kumimoji="1" lang="ko-KR" altLang="en-US" smtClean="0"/>
-              <a:t>2020. 1. 9.</a:t>
+              <a:t>2020. 1. 10.</a:t>
             </a:fld>
             <a:endParaRPr kumimoji="1" lang="ko-KR" altLang="en-US"/>
           </a:p>
@@ -2666,7 +2671,7 @@
           <a:p>
             <a:fld id="{E10AED4E-275C-8C4D-86D1-DAD85BB10F3B}" type="datetimeFigureOut">
               <a:rPr kumimoji="1" lang="ko-KR" altLang="en-US" smtClean="0"/>
-              <a:t>2020. 1. 9.</a:t>
+              <a:t>2020. 1. 10.</a:t>
             </a:fld>
             <a:endParaRPr kumimoji="1" lang="ko-KR" altLang="en-US"/>
           </a:p>
@@ -2907,7 +2912,7 @@
           <a:p>
             <a:fld id="{E10AED4E-275C-8C4D-86D1-DAD85BB10F3B}" type="datetimeFigureOut">
               <a:rPr kumimoji="1" lang="ko-KR" altLang="en-US" smtClean="0"/>
-              <a:t>2020. 1. 9.</a:t>
+              <a:t>2020. 1. 10.</a:t>
             </a:fld>
             <a:endParaRPr kumimoji="1" lang="ko-KR" altLang="en-US"/>
           </a:p>
@@ -3346,7 +3351,7 @@
         </p:blipFill>
         <p:spPr>
           <a:xfrm>
-            <a:off x="0" y="0"/>
+            <a:off x="0" y="382012"/>
             <a:ext cx="7358750" cy="4957763"/>
           </a:xfrm>
           <a:prstGeom prst="rect">
@@ -3728,135 +3733,6 @@
       </p:pic>
       <p:sp>
         <p:nvSpPr>
-          <p:cNvPr id="4" name="TextBox 3">
-            <a:extLst>
-              <a:ext uri="{FF2B5EF4-FFF2-40B4-BE49-F238E27FC236}">
-                <a16:creationId xmlns:a16="http://schemas.microsoft.com/office/drawing/2014/main" id="{BBC8A081-9443-0449-8BDD-DB70ABBCC258}"/>
-              </a:ext>
-            </a:extLst>
-          </p:cNvPr>
-          <p:cNvSpPr txBox="1"/>
-          <p:nvPr/>
-        </p:nvSpPr>
-        <p:spPr>
-          <a:xfrm>
-            <a:off x="7574692" y="1905506"/>
-            <a:ext cx="4183148" cy="3046988"/>
-          </a:xfrm>
-          <a:prstGeom prst="rect">
-            <a:avLst/>
-          </a:prstGeom>
-          <a:noFill/>
-        </p:spPr>
-        <p:txBody>
-          <a:bodyPr wrap="square" rtlCol="0">
-            <a:spAutoFit/>
-          </a:bodyPr>
-          <a:lstStyle/>
-          <a:p>
-            <a:r>
-              <a:rPr kumimoji="1" lang="ko-KR" altLang="en-US" sz="2400" dirty="0"/>
-              <a:t>즐거운 </a:t>
-            </a:r>
-            <a:r>
-              <a:rPr kumimoji="1" lang="ko-KR" altLang="en-US" sz="2400" dirty="0" err="1"/>
-              <a:t>틱택톡</a:t>
-            </a:r>
-            <a:r>
-              <a:rPr kumimoji="1" lang="ko-KR" altLang="en-US" sz="2400" dirty="0"/>
-              <a:t> 게임</a:t>
-            </a:r>
-            <a:r>
-              <a:rPr kumimoji="1" lang="en-US" altLang="ko-KR" sz="2400" dirty="0"/>
-              <a:t>!</a:t>
-            </a:r>
-          </a:p>
-          <a:p>
-            <a:endParaRPr kumimoji="1" lang="en-US" altLang="ko-KR" sz="2400" dirty="0"/>
-          </a:p>
-          <a:p>
-            <a:r>
-              <a:rPr kumimoji="1" lang="ko-KR" altLang="en-US" sz="2400" dirty="0"/>
-              <a:t>기능 </a:t>
-            </a:r>
-            <a:r>
-              <a:rPr kumimoji="1" lang="en-US" altLang="ko-KR" sz="2400" dirty="0"/>
-              <a:t>:</a:t>
-            </a:r>
-          </a:p>
-          <a:p>
-            <a:pPr marL="342900" indent="-342900">
-              <a:buAutoNum type="arabicPeriod"/>
-            </a:pPr>
-            <a:r>
-              <a:rPr kumimoji="1" lang="ko-KR" altLang="en-US" sz="2400" dirty="0"/>
-              <a:t>싱글 플레이</a:t>
-            </a:r>
-            <a:endParaRPr kumimoji="1" lang="en-US" altLang="ko-KR" sz="2400" dirty="0"/>
-          </a:p>
-          <a:p>
-            <a:r>
-              <a:rPr kumimoji="1" lang="en-US" altLang="ko-KR" sz="2400" dirty="0"/>
-              <a:t>	</a:t>
-            </a:r>
-            <a:r>
-              <a:rPr kumimoji="1" lang="ko-KR" altLang="en-US" sz="2400" dirty="0"/>
-              <a:t>컴퓨터와 </a:t>
-            </a:r>
-            <a:r>
-              <a:rPr kumimoji="1" lang="en-US" altLang="ko-KR" sz="2400" dirty="0"/>
-              <a:t>1</a:t>
-            </a:r>
-            <a:r>
-              <a:rPr kumimoji="1" lang="ko-KR" altLang="en-US" sz="2400" dirty="0"/>
-              <a:t>대</a:t>
-            </a:r>
-            <a:r>
-              <a:rPr kumimoji="1" lang="en-US" altLang="ko-KR" sz="2400" dirty="0"/>
-              <a:t>1</a:t>
-            </a:r>
-            <a:r>
-              <a:rPr kumimoji="1" lang="ko-KR" altLang="en-US" sz="2400" dirty="0"/>
-              <a:t> 승부</a:t>
-            </a:r>
-            <a:r>
-              <a:rPr kumimoji="1" lang="en-US" altLang="ko-KR" sz="2400" dirty="0"/>
-              <a:t>!</a:t>
-            </a:r>
-          </a:p>
-          <a:p>
-            <a:endParaRPr kumimoji="1" lang="en-US" altLang="ko-KR" sz="2400" dirty="0"/>
-          </a:p>
-          <a:p>
-            <a:r>
-              <a:rPr kumimoji="1" lang="en-US" altLang="ko-KR" sz="2400" dirty="0"/>
-              <a:t>2.</a:t>
-            </a:r>
-            <a:r>
-              <a:rPr kumimoji="1" lang="ko-KR" altLang="en-US" sz="2400" dirty="0"/>
-              <a:t> 멀티 플레이</a:t>
-            </a:r>
-            <a:endParaRPr kumimoji="1" lang="en-US" altLang="ko-KR" sz="2400" dirty="0"/>
-          </a:p>
-          <a:p>
-            <a:r>
-              <a:rPr kumimoji="1" lang="en-US" altLang="ko-KR" sz="2400" dirty="0"/>
-              <a:t>	</a:t>
-            </a:r>
-            <a:r>
-              <a:rPr kumimoji="1" lang="ko-KR" altLang="en-US" sz="2400" dirty="0"/>
-              <a:t>친구와의 내기</a:t>
-            </a:r>
-            <a:r>
-              <a:rPr kumimoji="1" lang="en-US" altLang="ko-KR" sz="2400" dirty="0"/>
-              <a:t>!</a:t>
-            </a:r>
-            <a:endParaRPr kumimoji="1" lang="ko-KR" altLang="en-US" sz="2400" dirty="0"/>
-          </a:p>
-        </p:txBody>
-      </p:sp>
-      <p:sp>
-        <p:nvSpPr>
           <p:cNvPr id="5" name="TextBox 4">
             <a:extLst>
               <a:ext uri="{FF2B5EF4-FFF2-40B4-BE49-F238E27FC236}">
@@ -3889,7 +3765,7 @@
             </a:r>
             <a:r>
               <a:rPr kumimoji="1" lang="ko-KR" altLang="en-US" sz="4400" dirty="0"/>
-              <a:t>싱글 플레이</a:t>
+              <a:t>멀티 플레이</a:t>
             </a:r>
             <a:endParaRPr kumimoji="1" lang="en-US" altLang="ko-KR" sz="4400" dirty="0"/>
           </a:p>
@@ -3905,92 +3781,6 @@
   <p:clrMapOvr>
     <a:masterClrMapping/>
   </p:clrMapOvr>
-  <p:timing>
-    <p:tnLst>
-      <p:par>
-        <p:cTn id="1" dur="indefinite" restart="never" nodeType="tmRoot">
-          <p:childTnLst>
-            <p:seq concurrent="1" nextAc="seek">
-              <p:cTn id="2" dur="indefinite" nodeType="mainSeq">
-                <p:childTnLst>
-                  <p:par>
-                    <p:cTn id="3" fill="hold">
-                      <p:stCondLst>
-                        <p:cond delay="indefinite"/>
-                      </p:stCondLst>
-                      <p:childTnLst>
-                        <p:par>
-                          <p:cTn id="4" fill="hold">
-                            <p:stCondLst>
-                              <p:cond delay="0"/>
-                            </p:stCondLst>
-                            <p:childTnLst>
-                              <p:par>
-                                <p:cTn id="5" presetID="9" presetClass="entr" presetSubtype="0" fill="hold" grpId="0" nodeType="clickEffect">
-                                  <p:stCondLst>
-                                    <p:cond delay="0"/>
-                                  </p:stCondLst>
-                                  <p:childTnLst>
-                                    <p:set>
-                                      <p:cBhvr>
-                                        <p:cTn id="6" dur="1" fill="hold">
-                                          <p:stCondLst>
-                                            <p:cond delay="0"/>
-                                          </p:stCondLst>
-                                        </p:cTn>
-                                        <p:tgtEl>
-                                          <p:spTgt spid="4"/>
-                                        </p:tgtEl>
-                                        <p:attrNameLst>
-                                          <p:attrName>style.visibility</p:attrName>
-                                        </p:attrNameLst>
-                                      </p:cBhvr>
-                                      <p:to>
-                                        <p:strVal val="visible"/>
-                                      </p:to>
-                                    </p:set>
-                                    <p:animEffect transition="in" filter="dissolve">
-                                      <p:cBhvr>
-                                        <p:cTn id="7" dur="500"/>
-                                        <p:tgtEl>
-                                          <p:spTgt spid="4"/>
-                                        </p:tgtEl>
-                                      </p:cBhvr>
-                                    </p:animEffect>
-                                  </p:childTnLst>
-                                </p:cTn>
-                              </p:par>
-                            </p:childTnLst>
-                          </p:cTn>
-                        </p:par>
-                      </p:childTnLst>
-                    </p:cTn>
-                  </p:par>
-                </p:childTnLst>
-              </p:cTn>
-              <p:prevCondLst>
-                <p:cond evt="onPrev" delay="0">
-                  <p:tgtEl>
-                    <p:sldTgt/>
-                  </p:tgtEl>
-                </p:cond>
-              </p:prevCondLst>
-              <p:nextCondLst>
-                <p:cond evt="onNext" delay="0">
-                  <p:tgtEl>
-                    <p:sldTgt/>
-                  </p:tgtEl>
-                </p:cond>
-              </p:nextCondLst>
-            </p:seq>
-          </p:childTnLst>
-        </p:cTn>
-      </p:par>
-    </p:tnLst>
-    <p:bldLst>
-      <p:bldP spid="4" grpId="0"/>
-    </p:bldLst>
-  </p:timing>
 </p:sld>
 </file>
 
